--- a/fl vs fcm 04032020.pptx
+++ b/fl vs fcm 04032020.pptx
@@ -8,6 +8,7 @@
     <p:sldId id="256" r:id="rId2"/>
     <p:sldId id="257" r:id="rId3"/>
     <p:sldId id="258" r:id="rId4"/>
+    <p:sldId id="259" r:id="rId5"/>
   </p:sldIdLst>
   <p:sldSz cx="12192000" cy="6858000"/>
   <p:notesSz cx="6858000" cy="9144000"/>
@@ -106,6 +107,11 @@
       </a:defRPr>
     </a:lvl9pPr>
   </p:defaultTextStyle>
+  <p:extLst>
+    <p:ext uri="{EFAFB233-063F-42B5-8137-9DF3F51BA10A}">
+      <p15:sldGuideLst xmlns:p15="http://schemas.microsoft.com/office/powerpoint/2012/main"/>
+    </p:ext>
+  </p:extLst>
 </p:presentation>
 </file>
 
@@ -3358,9 +3364,9 @@
         </p:nvGrpSpPr>
         <p:grpSpPr>
           <a:xfrm>
-            <a:off x="1862138" y="966788"/>
+            <a:off x="540414" y="1374112"/>
             <a:ext cx="5646121" cy="4348162"/>
-            <a:chOff x="1862138" y="966788"/>
+            <a:chOff x="1878763" y="808846"/>
             <a:chExt cx="5646121" cy="4348162"/>
           </a:xfrm>
         </p:grpSpPr>
@@ -3393,7 +3399,7 @@
           </p:blipFill>
           <p:spPr bwMode="auto">
             <a:xfrm>
-              <a:off x="1862138" y="966788"/>
+              <a:off x="1878763" y="808846"/>
               <a:ext cx="5646121" cy="4348162"/>
             </a:xfrm>
             <a:prstGeom prst="rect">
@@ -3425,7 +3431,7 @@
           </p:nvSpPr>
           <p:spPr>
             <a:xfrm>
-              <a:off x="5077773" y="1173718"/>
+              <a:off x="4953082" y="3991732"/>
               <a:ext cx="1018227" cy="369332"/>
             </a:xfrm>
             <a:prstGeom prst="rect">
@@ -3516,6 +3522,108 @@
           </a:p>
         </p:txBody>
       </p:sp>
+      <p:pic>
+        <p:nvPicPr>
+          <p:cNvPr id="3" name="Picture 2"/>
+          <p:cNvPicPr>
+            <a:picLocks noChangeAspect="1"/>
+          </p:cNvPicPr>
+          <p:nvPr/>
+        </p:nvPicPr>
+        <p:blipFill>
+          <a:blip r:embed="rId3"/>
+          <a:stretch>
+            <a:fillRect/>
+          </a:stretch>
+        </p:blipFill>
+        <p:spPr>
+          <a:xfrm>
+            <a:off x="6676608" y="1803862"/>
+            <a:ext cx="4744635" cy="3784801"/>
+          </a:xfrm>
+          <a:prstGeom prst="rect">
+            <a:avLst/>
+          </a:prstGeom>
+        </p:spPr>
+      </p:pic>
+      <p:sp>
+        <p:nvSpPr>
+          <p:cNvPr id="8" name="TextBox 7">
+            <a:extLst>
+              <a:ext uri="{FF2B5EF4-FFF2-40B4-BE49-F238E27FC236}">
+                <a16:creationId xmlns:a16="http://schemas.microsoft.com/office/drawing/2014/main" id="{62BFA55C-E4CB-40A0-93FC-4DC4DF1D24F7}"/>
+              </a:ext>
+            </a:extLst>
+          </p:cNvPr>
+          <p:cNvSpPr txBox="1"/>
+          <p:nvPr/>
+        </p:nvSpPr>
+        <p:spPr>
+          <a:xfrm>
+            <a:off x="9170406" y="4475658"/>
+            <a:ext cx="1026243" cy="369332"/>
+          </a:xfrm>
+          <a:prstGeom prst="rect">
+            <a:avLst/>
+          </a:prstGeom>
+          <a:noFill/>
+        </p:spPr>
+        <p:txBody>
+          <a:bodyPr wrap="none" rtlCol="0">
+            <a:spAutoFit/>
+          </a:bodyPr>
+          <a:lstStyle/>
+          <a:p>
+            <a:r>
+              <a:rPr lang="en-US" b="1" dirty="0">
+                <a:solidFill>
+                  <a:schemeClr val="accent2">
+                    <a:lumMod val="75000"/>
+                  </a:schemeClr>
+                </a:solidFill>
+              </a:rPr>
+              <a:t>R</a:t>
+            </a:r>
+            <a:r>
+              <a:rPr lang="en-US" b="1" baseline="30000" dirty="0">
+                <a:solidFill>
+                  <a:schemeClr val="accent2">
+                    <a:lumMod val="75000"/>
+                  </a:schemeClr>
+                </a:solidFill>
+              </a:rPr>
+              <a:t>2</a:t>
+            </a:r>
+            <a:r>
+              <a:rPr lang="en-US" b="1" dirty="0">
+                <a:solidFill>
+                  <a:schemeClr val="accent2">
+                    <a:lumMod val="75000"/>
+                  </a:schemeClr>
+                </a:solidFill>
+              </a:rPr>
+              <a:t> = </a:t>
+            </a:r>
+            <a:r>
+              <a:rPr lang="en-US" b="1" dirty="0" smtClean="0">
+                <a:solidFill>
+                  <a:schemeClr val="accent2">
+                    <a:lumMod val="75000"/>
+                  </a:schemeClr>
+                </a:solidFill>
+              </a:rPr>
+              <a:t>0.92</a:t>
+            </a:r>
+            <a:endParaRPr lang="LID4096" b="1" dirty="0">
+              <a:solidFill>
+                <a:schemeClr val="accent2">
+                  <a:lumMod val="75000"/>
+                </a:schemeClr>
+              </a:solidFill>
+            </a:endParaRPr>
+          </a:p>
+        </p:txBody>
+      </p:sp>
     </p:spTree>
     <p:extLst>
       <p:ext uri="{BB962C8B-B14F-4D97-AF65-F5344CB8AC3E}">
@@ -3560,8 +3668,8 @@
         </p:nvGrpSpPr>
         <p:grpSpPr>
           <a:xfrm>
-            <a:off x="342900" y="700088"/>
-            <a:ext cx="11029950" cy="3190875"/>
+            <a:off x="342900" y="515423"/>
+            <a:ext cx="10330642" cy="2643413"/>
             <a:chOff x="342900" y="700088"/>
             <a:chExt cx="11029950" cy="3190875"/>
           </a:xfrm>
@@ -3818,6 +3926,324 @@
           </p:txBody>
         </p:sp>
       </p:grpSp>
+      <p:pic>
+        <p:nvPicPr>
+          <p:cNvPr id="5" name="Picture 4"/>
+          <p:cNvPicPr>
+            <a:picLocks noChangeAspect="1"/>
+          </p:cNvPicPr>
+          <p:nvPr/>
+        </p:nvPicPr>
+        <p:blipFill>
+          <a:blip r:embed="rId3"/>
+          <a:stretch>
+            <a:fillRect/>
+          </a:stretch>
+        </p:blipFill>
+        <p:spPr>
+          <a:xfrm>
+            <a:off x="615141" y="3662940"/>
+            <a:ext cx="10450192" cy="3023156"/>
+          </a:xfrm>
+          <a:prstGeom prst="rect">
+            <a:avLst/>
+          </a:prstGeom>
+        </p:spPr>
+      </p:pic>
+      <p:sp>
+        <p:nvSpPr>
+          <p:cNvPr id="8" name="TextBox 7"/>
+          <p:cNvSpPr txBox="1"/>
+          <p:nvPr/>
+        </p:nvSpPr>
+        <p:spPr>
+          <a:xfrm>
+            <a:off x="4557629" y="146091"/>
+            <a:ext cx="1877117" cy="369332"/>
+          </a:xfrm>
+          <a:prstGeom prst="rect">
+            <a:avLst/>
+          </a:prstGeom>
+          <a:noFill/>
+        </p:spPr>
+        <p:txBody>
+          <a:bodyPr wrap="none" rtlCol="0">
+            <a:spAutoFit/>
+          </a:bodyPr>
+          <a:lstStyle/>
+          <a:p>
+            <a:r>
+              <a:rPr lang="en-US" u="sng" dirty="0" smtClean="0"/>
+              <a:t>All measurements</a:t>
+            </a:r>
+            <a:endParaRPr lang="en-US" u="sng" dirty="0"/>
+          </a:p>
+        </p:txBody>
+      </p:sp>
+      <p:sp>
+        <p:nvSpPr>
+          <p:cNvPr id="10" name="TextBox 9"/>
+          <p:cNvSpPr txBox="1"/>
+          <p:nvPr/>
+        </p:nvSpPr>
+        <p:spPr>
+          <a:xfrm>
+            <a:off x="4827574" y="3293608"/>
+            <a:ext cx="1337226" cy="369332"/>
+          </a:xfrm>
+          <a:prstGeom prst="rect">
+            <a:avLst/>
+          </a:prstGeom>
+          <a:noFill/>
+        </p:spPr>
+        <p:txBody>
+          <a:bodyPr wrap="none" rtlCol="0">
+            <a:spAutoFit/>
+          </a:bodyPr>
+          <a:lstStyle/>
+          <a:p>
+            <a:r>
+              <a:rPr lang="en-US" u="sng" dirty="0" smtClean="0"/>
+              <a:t>Decline only</a:t>
+            </a:r>
+            <a:endParaRPr lang="en-US" u="sng" dirty="0"/>
+          </a:p>
+        </p:txBody>
+      </p:sp>
+      <p:sp>
+        <p:nvSpPr>
+          <p:cNvPr id="11" name="TextBox 10">
+            <a:extLst>
+              <a:ext uri="{FF2B5EF4-FFF2-40B4-BE49-F238E27FC236}">
+                <a16:creationId xmlns:a16="http://schemas.microsoft.com/office/drawing/2014/main" id="{B8244FA1-94BB-4A69-8E56-7637C1D0E9BD}"/>
+              </a:ext>
+            </a:extLst>
+          </p:cNvPr>
+          <p:cNvSpPr txBox="1"/>
+          <p:nvPr/>
+        </p:nvSpPr>
+        <p:spPr>
+          <a:xfrm>
+            <a:off x="2714502" y="5769420"/>
+            <a:ext cx="1026243" cy="369332"/>
+          </a:xfrm>
+          <a:prstGeom prst="rect">
+            <a:avLst/>
+          </a:prstGeom>
+          <a:noFill/>
+        </p:spPr>
+        <p:txBody>
+          <a:bodyPr wrap="none" rtlCol="0">
+            <a:spAutoFit/>
+          </a:bodyPr>
+          <a:lstStyle/>
+          <a:p>
+            <a:r>
+              <a:rPr lang="en-US" b="1" dirty="0">
+                <a:solidFill>
+                  <a:schemeClr val="accent2">
+                    <a:lumMod val="75000"/>
+                  </a:schemeClr>
+                </a:solidFill>
+              </a:rPr>
+              <a:t>R</a:t>
+            </a:r>
+            <a:r>
+              <a:rPr lang="en-US" b="1" baseline="30000" dirty="0">
+                <a:solidFill>
+                  <a:schemeClr val="accent2">
+                    <a:lumMod val="75000"/>
+                  </a:schemeClr>
+                </a:solidFill>
+              </a:rPr>
+              <a:t>2</a:t>
+            </a:r>
+            <a:r>
+              <a:rPr lang="en-US" b="1" dirty="0">
+                <a:solidFill>
+                  <a:schemeClr val="accent2">
+                    <a:lumMod val="75000"/>
+                  </a:schemeClr>
+                </a:solidFill>
+              </a:rPr>
+              <a:t> = </a:t>
+            </a:r>
+            <a:r>
+              <a:rPr lang="en-US" b="1" dirty="0" smtClean="0">
+                <a:solidFill>
+                  <a:schemeClr val="accent2">
+                    <a:lumMod val="75000"/>
+                  </a:schemeClr>
+                </a:solidFill>
+              </a:rPr>
+              <a:t>0.95</a:t>
+            </a:r>
+            <a:endParaRPr lang="LID4096" b="1" dirty="0">
+              <a:solidFill>
+                <a:schemeClr val="accent2">
+                  <a:lumMod val="75000"/>
+                </a:schemeClr>
+              </a:solidFill>
+            </a:endParaRPr>
+          </a:p>
+        </p:txBody>
+      </p:sp>
+      <p:sp>
+        <p:nvSpPr>
+          <p:cNvPr id="12" name="TextBox 11">
+            <a:extLst>
+              <a:ext uri="{FF2B5EF4-FFF2-40B4-BE49-F238E27FC236}">
+                <a16:creationId xmlns:a16="http://schemas.microsoft.com/office/drawing/2014/main" id="{B8244FA1-94BB-4A69-8E56-7637C1D0E9BD}"/>
+              </a:ext>
+            </a:extLst>
+          </p:cNvPr>
+          <p:cNvSpPr txBox="1"/>
+          <p:nvPr/>
+        </p:nvSpPr>
+        <p:spPr>
+          <a:xfrm>
+            <a:off x="6017426" y="5769420"/>
+            <a:ext cx="1026243" cy="369332"/>
+          </a:xfrm>
+          <a:prstGeom prst="rect">
+            <a:avLst/>
+          </a:prstGeom>
+          <a:noFill/>
+        </p:spPr>
+        <p:txBody>
+          <a:bodyPr wrap="none" rtlCol="0">
+            <a:spAutoFit/>
+          </a:bodyPr>
+          <a:lstStyle/>
+          <a:p>
+            <a:r>
+              <a:rPr lang="en-US" b="1" dirty="0">
+                <a:solidFill>
+                  <a:schemeClr val="accent2">
+                    <a:lumMod val="75000"/>
+                  </a:schemeClr>
+                </a:solidFill>
+              </a:rPr>
+              <a:t>R</a:t>
+            </a:r>
+            <a:r>
+              <a:rPr lang="en-US" b="1" baseline="30000" dirty="0">
+                <a:solidFill>
+                  <a:schemeClr val="accent2">
+                    <a:lumMod val="75000"/>
+                  </a:schemeClr>
+                </a:solidFill>
+              </a:rPr>
+              <a:t>2</a:t>
+            </a:r>
+            <a:r>
+              <a:rPr lang="en-US" b="1" dirty="0">
+                <a:solidFill>
+                  <a:schemeClr val="accent2">
+                    <a:lumMod val="75000"/>
+                  </a:schemeClr>
+                </a:solidFill>
+              </a:rPr>
+              <a:t> = </a:t>
+            </a:r>
+            <a:r>
+              <a:rPr lang="en-US" b="1" dirty="0" smtClean="0">
+                <a:solidFill>
+                  <a:schemeClr val="accent2">
+                    <a:lumMod val="75000"/>
+                  </a:schemeClr>
+                </a:solidFill>
+              </a:rPr>
+              <a:t>0.90</a:t>
+            </a:r>
+            <a:endParaRPr lang="LID4096" b="1" dirty="0">
+              <a:solidFill>
+                <a:schemeClr val="accent2">
+                  <a:lumMod val="75000"/>
+                </a:schemeClr>
+              </a:solidFill>
+            </a:endParaRPr>
+          </a:p>
+        </p:txBody>
+      </p:sp>
+      <p:sp>
+        <p:nvSpPr>
+          <p:cNvPr id="13" name="TextBox 12">
+            <a:extLst>
+              <a:ext uri="{FF2B5EF4-FFF2-40B4-BE49-F238E27FC236}">
+                <a16:creationId xmlns:a16="http://schemas.microsoft.com/office/drawing/2014/main" id="{B8244FA1-94BB-4A69-8E56-7637C1D0E9BD}"/>
+              </a:ext>
+            </a:extLst>
+          </p:cNvPr>
+          <p:cNvSpPr txBox="1"/>
+          <p:nvPr/>
+        </p:nvSpPr>
+        <p:spPr>
+          <a:xfrm>
+            <a:off x="9010007" y="5769420"/>
+            <a:ext cx="1026243" cy="369332"/>
+          </a:xfrm>
+          <a:prstGeom prst="rect">
+            <a:avLst/>
+          </a:prstGeom>
+          <a:noFill/>
+        </p:spPr>
+        <p:txBody>
+          <a:bodyPr wrap="none" rtlCol="0">
+            <a:spAutoFit/>
+          </a:bodyPr>
+          <a:lstStyle/>
+          <a:p>
+            <a:r>
+              <a:rPr lang="en-US" b="1" dirty="0">
+                <a:solidFill>
+                  <a:schemeClr val="accent2">
+                    <a:lumMod val="75000"/>
+                  </a:schemeClr>
+                </a:solidFill>
+              </a:rPr>
+              <a:t>R</a:t>
+            </a:r>
+            <a:r>
+              <a:rPr lang="en-US" b="1" baseline="30000" dirty="0">
+                <a:solidFill>
+                  <a:schemeClr val="accent2">
+                    <a:lumMod val="75000"/>
+                  </a:schemeClr>
+                </a:solidFill>
+              </a:rPr>
+              <a:t>2</a:t>
+            </a:r>
+            <a:r>
+              <a:rPr lang="en-US" b="1" dirty="0">
+                <a:solidFill>
+                  <a:schemeClr val="accent2">
+                    <a:lumMod val="75000"/>
+                  </a:schemeClr>
+                </a:solidFill>
+              </a:rPr>
+              <a:t> = </a:t>
+            </a:r>
+            <a:r>
+              <a:rPr lang="en-US" b="1" dirty="0" smtClean="0">
+                <a:solidFill>
+                  <a:schemeClr val="accent2">
+                    <a:lumMod val="75000"/>
+                  </a:schemeClr>
+                </a:solidFill>
+              </a:rPr>
+              <a:t>0.90</a:t>
+            </a:r>
+            <a:endParaRPr lang="LID4096" b="1" dirty="0">
+              <a:solidFill>
+                <a:schemeClr val="accent2">
+                  <a:lumMod val="75000"/>
+                </a:schemeClr>
+              </a:solidFill>
+            </a:endParaRPr>
+          </a:p>
+        </p:txBody>
+      </p:sp>
     </p:spTree>
     <p:extLst>
       <p:ext uri="{BB962C8B-B14F-4D97-AF65-F5344CB8AC3E}">
@@ -4532,6 +4958,792 @@
     <p:extLst>
       <p:ext uri="{BB962C8B-B14F-4D97-AF65-F5344CB8AC3E}">
         <p14:creationId xmlns:p14="http://schemas.microsoft.com/office/powerpoint/2010/main" val="2650851819"/>
+      </p:ext>
+    </p:extLst>
+  </p:cSld>
+  <p:clrMapOvr>
+    <a:masterClrMapping/>
+  </p:clrMapOvr>
+</p:sld>
+</file>
+
+<file path=ppt/slides/slide4.xml><?xml version="1.0" encoding="utf-8"?>
+<p:sld xmlns:a="http://schemas.openxmlformats.org/drawingml/2006/main" xmlns:r="http://schemas.openxmlformats.org/officeDocument/2006/relationships" xmlns:p="http://schemas.openxmlformats.org/presentationml/2006/main">
+  <p:cSld>
+    <p:spTree>
+      <p:nvGrpSpPr>
+        <p:cNvPr id="1" name=""/>
+        <p:cNvGrpSpPr/>
+        <p:nvPr/>
+      </p:nvGrpSpPr>
+      <p:grpSpPr>
+        <a:xfrm>
+          <a:off x="0" y="0"/>
+          <a:ext cx="0" cy="0"/>
+          <a:chOff x="0" y="0"/>
+          <a:chExt cx="0" cy="0"/>
+        </a:xfrm>
+      </p:grpSpPr>
+      <p:pic>
+        <p:nvPicPr>
+          <p:cNvPr id="4" name="Picture 3"/>
+          <p:cNvPicPr>
+            <a:picLocks noChangeAspect="1"/>
+          </p:cNvPicPr>
+          <p:nvPr/>
+        </p:nvPicPr>
+        <p:blipFill>
+          <a:blip r:embed="rId2"/>
+          <a:stretch>
+            <a:fillRect/>
+          </a:stretch>
+        </p:blipFill>
+        <p:spPr>
+          <a:xfrm>
+            <a:off x="1824288" y="837499"/>
+            <a:ext cx="9084344" cy="5426943"/>
+          </a:xfrm>
+          <a:prstGeom prst="rect">
+            <a:avLst/>
+          </a:prstGeom>
+        </p:spPr>
+      </p:pic>
+      <p:sp>
+        <p:nvSpPr>
+          <p:cNvPr id="2" name="TextBox 1"/>
+          <p:cNvSpPr txBox="1"/>
+          <p:nvPr/>
+        </p:nvSpPr>
+        <p:spPr>
+          <a:xfrm>
+            <a:off x="297703" y="191168"/>
+            <a:ext cx="2480166" cy="646331"/>
+          </a:xfrm>
+          <a:prstGeom prst="rect">
+            <a:avLst/>
+          </a:prstGeom>
+          <a:noFill/>
+        </p:spPr>
+        <p:txBody>
+          <a:bodyPr wrap="none" rtlCol="0">
+            <a:spAutoFit/>
+          </a:bodyPr>
+          <a:lstStyle/>
+          <a:p>
+            <a:r>
+              <a:rPr lang="en-US" sz="3600" dirty="0" smtClean="0"/>
+              <a:t>Decline only</a:t>
+            </a:r>
+            <a:endParaRPr lang="en-US" sz="3600" dirty="0"/>
+          </a:p>
+        </p:txBody>
+      </p:sp>
+      <p:sp>
+        <p:nvSpPr>
+          <p:cNvPr id="5" name="TextBox 4">
+            <a:extLst>
+              <a:ext uri="{FF2B5EF4-FFF2-40B4-BE49-F238E27FC236}">
+                <a16:creationId xmlns:a16="http://schemas.microsoft.com/office/drawing/2014/main" id="{5C21C8AB-0E56-4547-8E67-BEE929F4CB6F}"/>
+              </a:ext>
+            </a:extLst>
+          </p:cNvPr>
+          <p:cNvSpPr txBox="1"/>
+          <p:nvPr/>
+        </p:nvSpPr>
+        <p:spPr>
+          <a:xfrm>
+            <a:off x="9890405" y="5558360"/>
+            <a:ext cx="1018227" cy="369332"/>
+          </a:xfrm>
+          <a:prstGeom prst="rect">
+            <a:avLst/>
+          </a:prstGeom>
+          <a:noFill/>
+        </p:spPr>
+        <p:txBody>
+          <a:bodyPr wrap="none" rtlCol="0">
+            <a:spAutoFit/>
+          </a:bodyPr>
+          <a:lstStyle/>
+          <a:p>
+            <a:r>
+              <a:rPr lang="en-US" dirty="0">
+                <a:solidFill>
+                  <a:schemeClr val="accent2">
+                    <a:lumMod val="75000"/>
+                  </a:schemeClr>
+                </a:solidFill>
+              </a:rPr>
+              <a:t>R</a:t>
+            </a:r>
+            <a:r>
+              <a:rPr lang="en-US" baseline="30000" dirty="0">
+                <a:solidFill>
+                  <a:schemeClr val="accent2">
+                    <a:lumMod val="75000"/>
+                  </a:schemeClr>
+                </a:solidFill>
+              </a:rPr>
+              <a:t>2</a:t>
+            </a:r>
+            <a:r>
+              <a:rPr lang="en-US" dirty="0">
+                <a:solidFill>
+                  <a:schemeClr val="accent2">
+                    <a:lumMod val="75000"/>
+                  </a:schemeClr>
+                </a:solidFill>
+              </a:rPr>
+              <a:t> = </a:t>
+            </a:r>
+            <a:r>
+              <a:rPr lang="en-US" dirty="0" smtClean="0">
+                <a:solidFill>
+                  <a:schemeClr val="accent2">
+                    <a:lumMod val="75000"/>
+                  </a:schemeClr>
+                </a:solidFill>
+              </a:rPr>
+              <a:t>0.85</a:t>
+            </a:r>
+            <a:endParaRPr lang="LID4096" dirty="0">
+              <a:solidFill>
+                <a:schemeClr val="accent2">
+                  <a:lumMod val="75000"/>
+                </a:schemeClr>
+              </a:solidFill>
+            </a:endParaRPr>
+          </a:p>
+        </p:txBody>
+      </p:sp>
+      <p:sp>
+        <p:nvSpPr>
+          <p:cNvPr id="6" name="TextBox 5">
+            <a:extLst>
+              <a:ext uri="{FF2B5EF4-FFF2-40B4-BE49-F238E27FC236}">
+                <a16:creationId xmlns:a16="http://schemas.microsoft.com/office/drawing/2014/main" id="{5C21C8AB-0E56-4547-8E67-BEE929F4CB6F}"/>
+              </a:ext>
+            </a:extLst>
+          </p:cNvPr>
+          <p:cNvSpPr txBox="1"/>
+          <p:nvPr/>
+        </p:nvSpPr>
+        <p:spPr>
+          <a:xfrm>
+            <a:off x="2777320" y="5611370"/>
+            <a:ext cx="1018227" cy="369332"/>
+          </a:xfrm>
+          <a:prstGeom prst="rect">
+            <a:avLst/>
+          </a:prstGeom>
+          <a:noFill/>
+        </p:spPr>
+        <p:txBody>
+          <a:bodyPr wrap="none" rtlCol="0">
+            <a:spAutoFit/>
+          </a:bodyPr>
+          <a:lstStyle/>
+          <a:p>
+            <a:r>
+              <a:rPr lang="en-US" dirty="0">
+                <a:solidFill>
+                  <a:schemeClr val="accent2">
+                    <a:lumMod val="75000"/>
+                  </a:schemeClr>
+                </a:solidFill>
+              </a:rPr>
+              <a:t>R</a:t>
+            </a:r>
+            <a:r>
+              <a:rPr lang="en-US" baseline="30000" dirty="0">
+                <a:solidFill>
+                  <a:schemeClr val="accent2">
+                    <a:lumMod val="75000"/>
+                  </a:schemeClr>
+                </a:solidFill>
+              </a:rPr>
+              <a:t>2</a:t>
+            </a:r>
+            <a:r>
+              <a:rPr lang="en-US" dirty="0">
+                <a:solidFill>
+                  <a:schemeClr val="accent2">
+                    <a:lumMod val="75000"/>
+                  </a:schemeClr>
+                </a:solidFill>
+              </a:rPr>
+              <a:t> = </a:t>
+            </a:r>
+            <a:r>
+              <a:rPr lang="en-US" dirty="0" smtClean="0">
+                <a:solidFill>
+                  <a:schemeClr val="accent2">
+                    <a:lumMod val="75000"/>
+                  </a:schemeClr>
+                </a:solidFill>
+              </a:rPr>
+              <a:t>0.92</a:t>
+            </a:r>
+            <a:endParaRPr lang="LID4096" dirty="0">
+              <a:solidFill>
+                <a:schemeClr val="accent2">
+                  <a:lumMod val="75000"/>
+                </a:schemeClr>
+              </a:solidFill>
+            </a:endParaRPr>
+          </a:p>
+        </p:txBody>
+      </p:sp>
+      <p:sp>
+        <p:nvSpPr>
+          <p:cNvPr id="7" name="TextBox 6">
+            <a:extLst>
+              <a:ext uri="{FF2B5EF4-FFF2-40B4-BE49-F238E27FC236}">
+                <a16:creationId xmlns:a16="http://schemas.microsoft.com/office/drawing/2014/main" id="{5C21C8AB-0E56-4547-8E67-BEE929F4CB6F}"/>
+              </a:ext>
+            </a:extLst>
+          </p:cNvPr>
+          <p:cNvSpPr txBox="1"/>
+          <p:nvPr/>
+        </p:nvSpPr>
+        <p:spPr>
+          <a:xfrm>
+            <a:off x="2770696" y="3855460"/>
+            <a:ext cx="1018227" cy="369332"/>
+          </a:xfrm>
+          <a:prstGeom prst="rect">
+            <a:avLst/>
+          </a:prstGeom>
+          <a:noFill/>
+        </p:spPr>
+        <p:txBody>
+          <a:bodyPr wrap="none" rtlCol="0">
+            <a:spAutoFit/>
+          </a:bodyPr>
+          <a:lstStyle/>
+          <a:p>
+            <a:r>
+              <a:rPr lang="en-US" dirty="0">
+                <a:solidFill>
+                  <a:schemeClr val="accent2">
+                    <a:lumMod val="75000"/>
+                  </a:schemeClr>
+                </a:solidFill>
+              </a:rPr>
+              <a:t>R</a:t>
+            </a:r>
+            <a:r>
+              <a:rPr lang="en-US" baseline="30000" dirty="0">
+                <a:solidFill>
+                  <a:schemeClr val="accent2">
+                    <a:lumMod val="75000"/>
+                  </a:schemeClr>
+                </a:solidFill>
+              </a:rPr>
+              <a:t>2</a:t>
+            </a:r>
+            <a:r>
+              <a:rPr lang="en-US" dirty="0">
+                <a:solidFill>
+                  <a:schemeClr val="accent2">
+                    <a:lumMod val="75000"/>
+                  </a:schemeClr>
+                </a:solidFill>
+              </a:rPr>
+              <a:t> = </a:t>
+            </a:r>
+            <a:r>
+              <a:rPr lang="en-US" dirty="0" smtClean="0">
+                <a:solidFill>
+                  <a:schemeClr val="accent2">
+                    <a:lumMod val="75000"/>
+                  </a:schemeClr>
+                </a:solidFill>
+              </a:rPr>
+              <a:t>0.92</a:t>
+            </a:r>
+            <a:endParaRPr lang="LID4096" dirty="0">
+              <a:solidFill>
+                <a:schemeClr val="accent2">
+                  <a:lumMod val="75000"/>
+                </a:schemeClr>
+              </a:solidFill>
+            </a:endParaRPr>
+          </a:p>
+        </p:txBody>
+      </p:sp>
+      <p:sp>
+        <p:nvSpPr>
+          <p:cNvPr id="8" name="TextBox 7">
+            <a:extLst>
+              <a:ext uri="{FF2B5EF4-FFF2-40B4-BE49-F238E27FC236}">
+                <a16:creationId xmlns:a16="http://schemas.microsoft.com/office/drawing/2014/main" id="{5C21C8AB-0E56-4547-8E67-BEE929F4CB6F}"/>
+              </a:ext>
+            </a:extLst>
+          </p:cNvPr>
+          <p:cNvSpPr txBox="1"/>
+          <p:nvPr/>
+        </p:nvSpPr>
+        <p:spPr>
+          <a:xfrm>
+            <a:off x="4453723" y="3809079"/>
+            <a:ext cx="1018227" cy="369332"/>
+          </a:xfrm>
+          <a:prstGeom prst="rect">
+            <a:avLst/>
+          </a:prstGeom>
+          <a:noFill/>
+        </p:spPr>
+        <p:txBody>
+          <a:bodyPr wrap="none" rtlCol="0">
+            <a:spAutoFit/>
+          </a:bodyPr>
+          <a:lstStyle/>
+          <a:p>
+            <a:r>
+              <a:rPr lang="en-US" dirty="0">
+                <a:solidFill>
+                  <a:schemeClr val="accent2">
+                    <a:lumMod val="75000"/>
+                  </a:schemeClr>
+                </a:solidFill>
+              </a:rPr>
+              <a:t>R</a:t>
+            </a:r>
+            <a:r>
+              <a:rPr lang="en-US" baseline="30000" dirty="0">
+                <a:solidFill>
+                  <a:schemeClr val="accent2">
+                    <a:lumMod val="75000"/>
+                  </a:schemeClr>
+                </a:solidFill>
+              </a:rPr>
+              <a:t>2</a:t>
+            </a:r>
+            <a:r>
+              <a:rPr lang="en-US" dirty="0">
+                <a:solidFill>
+                  <a:schemeClr val="accent2">
+                    <a:lumMod val="75000"/>
+                  </a:schemeClr>
+                </a:solidFill>
+              </a:rPr>
+              <a:t> = </a:t>
+            </a:r>
+            <a:r>
+              <a:rPr lang="en-US" dirty="0" smtClean="0">
+                <a:solidFill>
+                  <a:schemeClr val="accent2">
+                    <a:lumMod val="75000"/>
+                  </a:schemeClr>
+                </a:solidFill>
+              </a:rPr>
+              <a:t>0.95</a:t>
+            </a:r>
+            <a:endParaRPr lang="LID4096" dirty="0">
+              <a:solidFill>
+                <a:schemeClr val="accent2">
+                  <a:lumMod val="75000"/>
+                </a:schemeClr>
+              </a:solidFill>
+            </a:endParaRPr>
+          </a:p>
+        </p:txBody>
+      </p:sp>
+      <p:sp>
+        <p:nvSpPr>
+          <p:cNvPr id="9" name="TextBox 8">
+            <a:extLst>
+              <a:ext uri="{FF2B5EF4-FFF2-40B4-BE49-F238E27FC236}">
+                <a16:creationId xmlns:a16="http://schemas.microsoft.com/office/drawing/2014/main" id="{5C21C8AB-0E56-4547-8E67-BEE929F4CB6F}"/>
+              </a:ext>
+            </a:extLst>
+          </p:cNvPr>
+          <p:cNvSpPr txBox="1"/>
+          <p:nvPr/>
+        </p:nvSpPr>
+        <p:spPr>
+          <a:xfrm>
+            <a:off x="6265956" y="3872028"/>
+            <a:ext cx="1018227" cy="369332"/>
+          </a:xfrm>
+          <a:prstGeom prst="rect">
+            <a:avLst/>
+          </a:prstGeom>
+          <a:noFill/>
+        </p:spPr>
+        <p:txBody>
+          <a:bodyPr wrap="none" rtlCol="0">
+            <a:spAutoFit/>
+          </a:bodyPr>
+          <a:lstStyle/>
+          <a:p>
+            <a:r>
+              <a:rPr lang="en-US" dirty="0">
+                <a:solidFill>
+                  <a:schemeClr val="accent2">
+                    <a:lumMod val="75000"/>
+                  </a:schemeClr>
+                </a:solidFill>
+              </a:rPr>
+              <a:t>R</a:t>
+            </a:r>
+            <a:r>
+              <a:rPr lang="en-US" baseline="30000" dirty="0">
+                <a:solidFill>
+                  <a:schemeClr val="accent2">
+                    <a:lumMod val="75000"/>
+                  </a:schemeClr>
+                </a:solidFill>
+              </a:rPr>
+              <a:t>2</a:t>
+            </a:r>
+            <a:r>
+              <a:rPr lang="en-US" dirty="0">
+                <a:solidFill>
+                  <a:schemeClr val="accent2">
+                    <a:lumMod val="75000"/>
+                  </a:schemeClr>
+                </a:solidFill>
+              </a:rPr>
+              <a:t> = </a:t>
+            </a:r>
+            <a:r>
+              <a:rPr lang="en-US" dirty="0" smtClean="0">
+                <a:solidFill>
+                  <a:schemeClr val="accent2">
+                    <a:lumMod val="75000"/>
+                  </a:schemeClr>
+                </a:solidFill>
+              </a:rPr>
+              <a:t>0.97</a:t>
+            </a:r>
+            <a:endParaRPr lang="LID4096" dirty="0">
+              <a:solidFill>
+                <a:schemeClr val="accent2">
+                  <a:lumMod val="75000"/>
+                </a:schemeClr>
+              </a:solidFill>
+            </a:endParaRPr>
+          </a:p>
+        </p:txBody>
+      </p:sp>
+      <p:sp>
+        <p:nvSpPr>
+          <p:cNvPr id="10" name="TextBox 9">
+            <a:extLst>
+              <a:ext uri="{FF2B5EF4-FFF2-40B4-BE49-F238E27FC236}">
+                <a16:creationId xmlns:a16="http://schemas.microsoft.com/office/drawing/2014/main" id="{5C21C8AB-0E56-4547-8E67-BEE929F4CB6F}"/>
+              </a:ext>
+            </a:extLst>
+          </p:cNvPr>
+          <p:cNvSpPr txBox="1"/>
+          <p:nvPr/>
+        </p:nvSpPr>
+        <p:spPr>
+          <a:xfrm>
+            <a:off x="8078188" y="3855465"/>
+            <a:ext cx="1018227" cy="369332"/>
+          </a:xfrm>
+          <a:prstGeom prst="rect">
+            <a:avLst/>
+          </a:prstGeom>
+          <a:noFill/>
+        </p:spPr>
+        <p:txBody>
+          <a:bodyPr wrap="none" rtlCol="0">
+            <a:spAutoFit/>
+          </a:bodyPr>
+          <a:lstStyle/>
+          <a:p>
+            <a:r>
+              <a:rPr lang="en-US" dirty="0">
+                <a:solidFill>
+                  <a:schemeClr val="accent2">
+                    <a:lumMod val="75000"/>
+                  </a:schemeClr>
+                </a:solidFill>
+              </a:rPr>
+              <a:t>R</a:t>
+            </a:r>
+            <a:r>
+              <a:rPr lang="en-US" baseline="30000" dirty="0">
+                <a:solidFill>
+                  <a:schemeClr val="accent2">
+                    <a:lumMod val="75000"/>
+                  </a:schemeClr>
+                </a:solidFill>
+              </a:rPr>
+              <a:t>2</a:t>
+            </a:r>
+            <a:r>
+              <a:rPr lang="en-US" dirty="0">
+                <a:solidFill>
+                  <a:schemeClr val="accent2">
+                    <a:lumMod val="75000"/>
+                  </a:schemeClr>
+                </a:solidFill>
+              </a:rPr>
+              <a:t> = </a:t>
+            </a:r>
+            <a:r>
+              <a:rPr lang="en-US" dirty="0" smtClean="0">
+                <a:solidFill>
+                  <a:schemeClr val="accent2">
+                    <a:lumMod val="75000"/>
+                  </a:schemeClr>
+                </a:solidFill>
+              </a:rPr>
+              <a:t>0.84</a:t>
+            </a:r>
+            <a:endParaRPr lang="LID4096" dirty="0">
+              <a:solidFill>
+                <a:schemeClr val="accent2">
+                  <a:lumMod val="75000"/>
+                </a:schemeClr>
+              </a:solidFill>
+            </a:endParaRPr>
+          </a:p>
+        </p:txBody>
+      </p:sp>
+      <p:sp>
+        <p:nvSpPr>
+          <p:cNvPr id="11" name="TextBox 10">
+            <a:extLst>
+              <a:ext uri="{FF2B5EF4-FFF2-40B4-BE49-F238E27FC236}">
+                <a16:creationId xmlns:a16="http://schemas.microsoft.com/office/drawing/2014/main" id="{5C21C8AB-0E56-4547-8E67-BEE929F4CB6F}"/>
+              </a:ext>
+            </a:extLst>
+          </p:cNvPr>
+          <p:cNvSpPr txBox="1"/>
+          <p:nvPr/>
+        </p:nvSpPr>
+        <p:spPr>
+          <a:xfrm>
+            <a:off x="6282519" y="2149253"/>
+            <a:ext cx="1018227" cy="369332"/>
+          </a:xfrm>
+          <a:prstGeom prst="rect">
+            <a:avLst/>
+          </a:prstGeom>
+          <a:noFill/>
+        </p:spPr>
+        <p:txBody>
+          <a:bodyPr wrap="none" rtlCol="0">
+            <a:spAutoFit/>
+          </a:bodyPr>
+          <a:lstStyle/>
+          <a:p>
+            <a:r>
+              <a:rPr lang="en-US" dirty="0">
+                <a:solidFill>
+                  <a:schemeClr val="accent2">
+                    <a:lumMod val="75000"/>
+                  </a:schemeClr>
+                </a:solidFill>
+              </a:rPr>
+              <a:t>R</a:t>
+            </a:r>
+            <a:r>
+              <a:rPr lang="en-US" baseline="30000" dirty="0">
+                <a:solidFill>
+                  <a:schemeClr val="accent2">
+                    <a:lumMod val="75000"/>
+                  </a:schemeClr>
+                </a:solidFill>
+              </a:rPr>
+              <a:t>2</a:t>
+            </a:r>
+            <a:r>
+              <a:rPr lang="en-US" dirty="0">
+                <a:solidFill>
+                  <a:schemeClr val="accent2">
+                    <a:lumMod val="75000"/>
+                  </a:schemeClr>
+                </a:solidFill>
+              </a:rPr>
+              <a:t> = </a:t>
+            </a:r>
+            <a:r>
+              <a:rPr lang="en-US" dirty="0" smtClean="0">
+                <a:solidFill>
+                  <a:schemeClr val="accent2">
+                    <a:lumMod val="75000"/>
+                  </a:schemeClr>
+                </a:solidFill>
+              </a:rPr>
+              <a:t>0.97</a:t>
+            </a:r>
+            <a:endParaRPr lang="LID4096" dirty="0">
+              <a:solidFill>
+                <a:schemeClr val="accent2">
+                  <a:lumMod val="75000"/>
+                </a:schemeClr>
+              </a:solidFill>
+            </a:endParaRPr>
+          </a:p>
+        </p:txBody>
+      </p:sp>
+      <p:sp>
+        <p:nvSpPr>
+          <p:cNvPr id="12" name="TextBox 11">
+            <a:extLst>
+              <a:ext uri="{FF2B5EF4-FFF2-40B4-BE49-F238E27FC236}">
+                <a16:creationId xmlns:a16="http://schemas.microsoft.com/office/drawing/2014/main" id="{5C21C8AB-0E56-4547-8E67-BEE929F4CB6F}"/>
+              </a:ext>
+            </a:extLst>
+          </p:cNvPr>
+          <p:cNvSpPr txBox="1"/>
+          <p:nvPr/>
+        </p:nvSpPr>
+        <p:spPr>
+          <a:xfrm>
+            <a:off x="4486850" y="2152568"/>
+            <a:ext cx="1018227" cy="369332"/>
+          </a:xfrm>
+          <a:prstGeom prst="rect">
+            <a:avLst/>
+          </a:prstGeom>
+          <a:noFill/>
+        </p:spPr>
+        <p:txBody>
+          <a:bodyPr wrap="none" rtlCol="0">
+            <a:spAutoFit/>
+          </a:bodyPr>
+          <a:lstStyle/>
+          <a:p>
+            <a:r>
+              <a:rPr lang="en-US" dirty="0">
+                <a:solidFill>
+                  <a:schemeClr val="accent2">
+                    <a:lumMod val="75000"/>
+                  </a:schemeClr>
+                </a:solidFill>
+              </a:rPr>
+              <a:t>R</a:t>
+            </a:r>
+            <a:r>
+              <a:rPr lang="en-US" baseline="30000" dirty="0">
+                <a:solidFill>
+                  <a:schemeClr val="accent2">
+                    <a:lumMod val="75000"/>
+                  </a:schemeClr>
+                </a:solidFill>
+              </a:rPr>
+              <a:t>2</a:t>
+            </a:r>
+            <a:r>
+              <a:rPr lang="en-US" dirty="0">
+                <a:solidFill>
+                  <a:schemeClr val="accent2">
+                    <a:lumMod val="75000"/>
+                  </a:schemeClr>
+                </a:solidFill>
+              </a:rPr>
+              <a:t> = </a:t>
+            </a:r>
+            <a:r>
+              <a:rPr lang="en-US" dirty="0" smtClean="0">
+                <a:solidFill>
+                  <a:schemeClr val="accent2">
+                    <a:lumMod val="75000"/>
+                  </a:schemeClr>
+                </a:solidFill>
+              </a:rPr>
+              <a:t>0.93</a:t>
+            </a:r>
+            <a:endParaRPr lang="LID4096" dirty="0">
+              <a:solidFill>
+                <a:schemeClr val="accent2">
+                  <a:lumMod val="75000"/>
+                </a:schemeClr>
+              </a:solidFill>
+            </a:endParaRPr>
+          </a:p>
+        </p:txBody>
+      </p:sp>
+      <p:sp>
+        <p:nvSpPr>
+          <p:cNvPr id="13" name="TextBox 12">
+            <a:extLst>
+              <a:ext uri="{FF2B5EF4-FFF2-40B4-BE49-F238E27FC236}">
+                <a16:creationId xmlns:a16="http://schemas.microsoft.com/office/drawing/2014/main" id="{5C21C8AB-0E56-4547-8E67-BEE929F4CB6F}"/>
+              </a:ext>
+            </a:extLst>
+          </p:cNvPr>
+          <p:cNvSpPr txBox="1"/>
+          <p:nvPr/>
+        </p:nvSpPr>
+        <p:spPr>
+          <a:xfrm>
+            <a:off x="2740879" y="2136005"/>
+            <a:ext cx="1018227" cy="369332"/>
+          </a:xfrm>
+          <a:prstGeom prst="rect">
+            <a:avLst/>
+          </a:prstGeom>
+          <a:noFill/>
+        </p:spPr>
+        <p:txBody>
+          <a:bodyPr wrap="none" rtlCol="0">
+            <a:spAutoFit/>
+          </a:bodyPr>
+          <a:lstStyle/>
+          <a:p>
+            <a:r>
+              <a:rPr lang="en-US" dirty="0">
+                <a:solidFill>
+                  <a:schemeClr val="accent2">
+                    <a:lumMod val="75000"/>
+                  </a:schemeClr>
+                </a:solidFill>
+              </a:rPr>
+              <a:t>R</a:t>
+            </a:r>
+            <a:r>
+              <a:rPr lang="en-US" baseline="30000" dirty="0">
+                <a:solidFill>
+                  <a:schemeClr val="accent2">
+                    <a:lumMod val="75000"/>
+                  </a:schemeClr>
+                </a:solidFill>
+              </a:rPr>
+              <a:t>2</a:t>
+            </a:r>
+            <a:r>
+              <a:rPr lang="en-US" dirty="0">
+                <a:solidFill>
+                  <a:schemeClr val="accent2">
+                    <a:lumMod val="75000"/>
+                  </a:schemeClr>
+                </a:solidFill>
+              </a:rPr>
+              <a:t> = </a:t>
+            </a:r>
+            <a:r>
+              <a:rPr lang="en-US" dirty="0" smtClean="0">
+                <a:solidFill>
+                  <a:schemeClr val="accent2">
+                    <a:lumMod val="75000"/>
+                  </a:schemeClr>
+                </a:solidFill>
+              </a:rPr>
+              <a:t>0.98</a:t>
+            </a:r>
+            <a:endParaRPr lang="LID4096" dirty="0">
+              <a:solidFill>
+                <a:schemeClr val="accent2">
+                  <a:lumMod val="75000"/>
+                </a:schemeClr>
+              </a:solidFill>
+            </a:endParaRPr>
+          </a:p>
+        </p:txBody>
+      </p:sp>
+    </p:spTree>
+    <p:extLst>
+      <p:ext uri="{BB962C8B-B14F-4D97-AF65-F5344CB8AC3E}">
+        <p14:creationId xmlns:p14="http://schemas.microsoft.com/office/powerpoint/2010/main" val="340609441"/>
       </p:ext>
     </p:extLst>
   </p:cSld>
